--- a/SE423/Lectures/1-Introduction/Project Performance Domains.pptx
+++ b/SE423/Lectures/1-Introduction/Project Performance Domains.pptx
@@ -4545,7 +4545,7 @@
           <a:p>
             <a:fld id="{41DA9887-9249-49FD-809A-BACB264048C3}" type="datetimeFigureOut">
               <a:rPr lang="en-US" smtClean="0"/>
-              <a:t>11/24/2022</a:t>
+              <a:t>11/27/2022</a:t>
             </a:fld>
             <a:endParaRPr lang="en-US"/>
           </a:p>
@@ -5109,7 +5109,7 @@
           <a:p>
             <a:fld id="{1B77E6C4-037A-4AC3-93B1-2E399ED7CAC5}" type="datetime1">
               <a:rPr lang="en-US" smtClean="0"/>
-              <a:t>11/24/2022</a:t>
+              <a:t>11/27/2022</a:t>
             </a:fld>
             <a:endParaRPr lang="en-US"/>
           </a:p>
@@ -5388,7 +5388,7 @@
           <a:p>
             <a:fld id="{42A9B262-DB51-4845-B0BF-9F318994FAAE}" type="datetime1">
               <a:rPr lang="en-US" smtClean="0"/>
-              <a:t>11/24/2022</a:t>
+              <a:t>11/27/2022</a:t>
             </a:fld>
             <a:endParaRPr lang="en-US"/>
           </a:p>
@@ -5566,7 +5566,7 @@
           <a:p>
             <a:fld id="{B2F564F7-604D-49E1-A536-2A7960CE3304}" type="datetime1">
               <a:rPr lang="en-US" smtClean="0"/>
-              <a:t>11/24/2022</a:t>
+              <a:t>11/27/2022</a:t>
             </a:fld>
             <a:endParaRPr lang="en-US"/>
           </a:p>
@@ -5812,7 +5812,7 @@
             </a:pPr>
             <a:fld id="{B288D794-2492-4B9F-B864-D2DC3CC91EE2}" type="datetime1">
               <a:rPr lang="en-US" smtClean="0"/>
-              <a:t>11/24/2022</a:t>
+              <a:t>11/27/2022</a:t>
             </a:fld>
             <a:endParaRPr lang="en-US"/>
           </a:p>
@@ -5993,7 +5993,7 @@
             </a:pPr>
             <a:fld id="{3FB7008A-F136-42E3-A8AD-CCAA87B0ADBF}" type="datetime1">
               <a:rPr lang="en-US" smtClean="0"/>
-              <a:t>11/24/2022</a:t>
+              <a:t>11/27/2022</a:t>
             </a:fld>
             <a:endParaRPr lang="en-US"/>
           </a:p>
@@ -6271,7 +6271,7 @@
           <a:p>
             <a:fld id="{5F25755F-0905-49A3-81D1-4BA71FCC5C00}" type="datetime1">
               <a:rPr lang="en-US" smtClean="0"/>
-              <a:t>11/24/2022</a:t>
+              <a:t>11/27/2022</a:t>
             </a:fld>
             <a:endParaRPr lang="en-US"/>
           </a:p>
@@ -6615,7 +6615,7 @@
           <a:p>
             <a:fld id="{6106A921-A079-4135-B4F7-ED0F9910EF32}" type="datetime1">
               <a:rPr lang="en-US" smtClean="0"/>
-              <a:t>11/24/2022</a:t>
+              <a:t>11/27/2022</a:t>
             </a:fld>
             <a:endParaRPr lang="en-US"/>
           </a:p>
@@ -6844,7 +6844,7 @@
           <a:p>
             <a:fld id="{4027AB51-5E1B-4E1A-8F7F-39CB7A1E44DB}" type="datetime1">
               <a:rPr lang="en-US" smtClean="0"/>
-              <a:t>11/24/2022</a:t>
+              <a:t>11/27/2022</a:t>
             </a:fld>
             <a:endParaRPr lang="en-US"/>
           </a:p>
@@ -7208,7 +7208,7 @@
           <a:p>
             <a:fld id="{9138CEA6-D218-4C14-AE73-889A0181B73A}" type="datetime1">
               <a:rPr lang="en-US" smtClean="0"/>
-              <a:t>11/24/2022</a:t>
+              <a:t>11/27/2022</a:t>
             </a:fld>
             <a:endParaRPr lang="en-US"/>
           </a:p>
@@ -7303,7 +7303,7 @@
           <a:p>
             <a:fld id="{4A8EE5D5-3AD0-421E-B90C-018660FBB366}" type="datetime1">
               <a:rPr lang="en-US" smtClean="0"/>
-              <a:t>11/24/2022</a:t>
+              <a:t>11/27/2022</a:t>
             </a:fld>
             <a:endParaRPr lang="en-US"/>
           </a:p>
@@ -7525,7 +7525,7 @@
             <a:fld id="{B2F5E2FA-C428-4CE7-95B0-168D3259A5BB}" type="datetimeFigureOut">
               <a:rPr lang="en-US" smtClean="0"/>
               <a:pPr/>
-              <a:t>11/24/2022</a:t>
+              <a:t>11/27/2022</a:t>
             </a:fld>
             <a:endParaRPr lang="en-US"/>
           </a:p>
@@ -7696,7 +7696,7 @@
           <a:p>
             <a:fld id="{259BDD99-F0C2-4952-8AFD-60E1A77A6351}" type="datetime1">
               <a:rPr lang="en-US" smtClean="0"/>
-              <a:t>11/24/2022</a:t>
+              <a:t>11/27/2022</a:t>
             </a:fld>
             <a:endParaRPr lang="en-US"/>
           </a:p>
@@ -7971,7 +7971,7 @@
           <a:p>
             <a:fld id="{9EFD64CF-8DA8-4084-B317-87152DF06071}" type="datetime1">
               <a:rPr lang="en-US" smtClean="0"/>
-              <a:t>11/24/2022</a:t>
+              <a:t>11/27/2022</a:t>
             </a:fld>
             <a:endParaRPr lang="en-US"/>
           </a:p>
@@ -8223,7 +8223,7 @@
           <a:p>
             <a:fld id="{71EC55A7-534D-457D-9E4E-8E632D6F5810}" type="datetime1">
               <a:rPr lang="en-US" smtClean="0"/>
-              <a:t>11/24/2022</a:t>
+              <a:t>11/27/2022</a:t>
             </a:fld>
             <a:endParaRPr lang="en-US"/>
           </a:p>
@@ -8434,7 +8434,7 @@
           <a:p>
             <a:fld id="{79C72520-39C9-4C3B-B1E4-E54C4D6FEA04}" type="datetime1">
               <a:rPr lang="en-US" smtClean="0"/>
-              <a:t>11/24/2022</a:t>
+              <a:t>11/27/2022</a:t>
             </a:fld>
             <a:endParaRPr lang="en-US"/>
           </a:p>
@@ -16044,7 +16044,7 @@
         </p:blipFill>
         <p:spPr>
           <a:xfrm>
-            <a:off x="3562203" y="2143660"/>
+            <a:off x="3525989" y="1790574"/>
             <a:ext cx="4829849" cy="3715268"/>
           </a:xfrm>
           <a:prstGeom prst="rect">
@@ -28121,7 +28121,7 @@
         </p:blipFill>
         <p:spPr>
           <a:xfrm>
-            <a:off x="2923732" y="2589998"/>
+            <a:off x="2796984" y="2291233"/>
             <a:ext cx="6344535" cy="3305636"/>
           </a:xfrm>
           <a:prstGeom prst="rect">
@@ -29599,44 +29599,44 @@
           <a:p>
             <a:pPr lvl="2"/>
             <a:r>
-              <a:rPr lang="en-US" dirty="0" smtClean="0"/>
+              <a:rPr lang="en-US" sz="2200" dirty="0" smtClean="0"/>
               <a:t>Confirm </a:t>
             </a:r>
             <a:r>
-              <a:rPr lang="en-US" dirty="0"/>
+              <a:rPr lang="en-US" sz="2200" dirty="0"/>
               <a:t>the degree to which the stakeholder(s) heard the message.</a:t>
             </a:r>
           </a:p>
           <a:p>
             <a:pPr lvl="2"/>
             <a:r>
-              <a:rPr lang="en-US" dirty="0" smtClean="0"/>
+              <a:rPr lang="en-US" sz="2200" dirty="0" smtClean="0"/>
               <a:t>Determine </a:t>
             </a:r>
             <a:r>
-              <a:rPr lang="en-US" dirty="0"/>
+              <a:rPr lang="en-US" sz="2200" dirty="0"/>
               <a:t>if stakeholders agree with the message.</a:t>
             </a:r>
           </a:p>
           <a:p>
             <a:pPr lvl="2"/>
             <a:r>
-              <a:rPr lang="en-US" dirty="0" smtClean="0"/>
+              <a:rPr lang="en-US" sz="2200" dirty="0" smtClean="0"/>
               <a:t>Identify </a:t>
             </a:r>
             <a:r>
-              <a:rPr lang="en-US" dirty="0"/>
+              <a:rPr lang="en-US" sz="2200" dirty="0"/>
               <a:t>nuanced or other unintended messages the recipient detected.</a:t>
             </a:r>
           </a:p>
           <a:p>
             <a:pPr lvl="2"/>
             <a:r>
-              <a:rPr lang="en-US" dirty="0" smtClean="0"/>
+              <a:rPr lang="en-US" sz="2200" dirty="0" smtClean="0"/>
               <a:t>Gain </a:t>
             </a:r>
             <a:r>
-              <a:rPr lang="en-US" dirty="0"/>
+              <a:rPr lang="en-US" sz="2200" dirty="0"/>
               <a:t>other helpful insights.</a:t>
             </a:r>
           </a:p>
@@ -32945,13 +32945,13 @@
         </p:nvSpPr>
         <p:spPr>
           <a:xfrm>
-            <a:off x="838200" y="1825624"/>
-            <a:ext cx="10515600" cy="4483735"/>
+            <a:off x="347527" y="1394234"/>
+            <a:ext cx="11006273" cy="4915125"/>
           </a:xfrm>
         </p:spPr>
         <p:txBody>
           <a:bodyPr>
-            <a:normAutofit lnSpcReduction="10000"/>
+            <a:normAutofit/>
           </a:bodyPr>
           <a:lstStyle/>
           <a:p>
@@ -33136,8 +33136,8 @@
         </p:nvSpPr>
         <p:spPr>
           <a:xfrm>
-            <a:off x="838200" y="1825624"/>
-            <a:ext cx="10515600" cy="4547743"/>
+            <a:off x="347527" y="1448554"/>
+            <a:ext cx="11006273" cy="4924813"/>
           </a:xfrm>
         </p:spPr>
         <p:txBody>
@@ -36237,11 +36237,7 @@
           <a:p>
             <a:r>
               <a:rPr lang="en-US" dirty="0" smtClean="0"/>
-              <a:t>There </a:t>
-            </a:r>
-            <a:r>
-              <a:rPr lang="en-US" dirty="0" smtClean="0"/>
-              <a:t>are eight </a:t>
+              <a:t>There are eight </a:t>
             </a:r>
             <a:r>
               <a:rPr lang="en-US" dirty="0"/>
@@ -36251,88 +36247,88 @@
           <a:p>
             <a:pPr lvl="1"/>
             <a:r>
-              <a:rPr lang="en-US" dirty="0" smtClean="0"/>
+              <a:rPr lang="en-US" sz="2600" dirty="0" smtClean="0"/>
               <a:t>Stakeholders</a:t>
             </a:r>
             <a:r>
-              <a:rPr lang="en-US" dirty="0"/>
+              <a:rPr lang="en-US" sz="2600" dirty="0"/>
               <a:t>,</a:t>
             </a:r>
           </a:p>
           <a:p>
             <a:pPr lvl="1"/>
             <a:r>
-              <a:rPr lang="en-US" dirty="0" smtClean="0"/>
+              <a:rPr lang="en-US" sz="2600" dirty="0" smtClean="0"/>
               <a:t>Team</a:t>
             </a:r>
             <a:r>
-              <a:rPr lang="en-US" dirty="0"/>
+              <a:rPr lang="en-US" sz="2600" dirty="0"/>
               <a:t>,</a:t>
             </a:r>
           </a:p>
           <a:p>
             <a:pPr lvl="1"/>
             <a:r>
-              <a:rPr lang="en-US" dirty="0" smtClean="0"/>
+              <a:rPr lang="en-US" sz="2600" dirty="0" smtClean="0"/>
               <a:t>Development </a:t>
             </a:r>
             <a:r>
-              <a:rPr lang="en-US" dirty="0"/>
+              <a:rPr lang="en-US" sz="2600" dirty="0"/>
               <a:t>Approach and Life Cycle,</a:t>
             </a:r>
           </a:p>
           <a:p>
             <a:pPr lvl="1"/>
             <a:r>
-              <a:rPr lang="en-US" dirty="0" smtClean="0"/>
+              <a:rPr lang="en-US" sz="2600" dirty="0" smtClean="0"/>
               <a:t>Planning</a:t>
             </a:r>
             <a:r>
-              <a:rPr lang="en-US" dirty="0"/>
+              <a:rPr lang="en-US" sz="2600" dirty="0"/>
               <a:t>,</a:t>
             </a:r>
           </a:p>
           <a:p>
             <a:pPr lvl="1"/>
             <a:r>
-              <a:rPr lang="en-US" dirty="0" smtClean="0"/>
+              <a:rPr lang="en-US" sz="2600" dirty="0" smtClean="0"/>
               <a:t>Project </a:t>
             </a:r>
             <a:r>
-              <a:rPr lang="en-US" dirty="0"/>
+              <a:rPr lang="en-US" sz="2600" dirty="0"/>
               <a:t>Work,</a:t>
             </a:r>
           </a:p>
           <a:p>
             <a:pPr lvl="1"/>
             <a:r>
-              <a:rPr lang="en-US" dirty="0" smtClean="0"/>
+              <a:rPr lang="en-US" sz="2600" dirty="0" smtClean="0"/>
               <a:t>Delivery</a:t>
             </a:r>
             <a:r>
-              <a:rPr lang="en-US" dirty="0"/>
+              <a:rPr lang="en-US" sz="2600" dirty="0"/>
               <a:t>,</a:t>
             </a:r>
           </a:p>
           <a:p>
             <a:pPr lvl="1"/>
             <a:r>
-              <a:rPr lang="en-US" dirty="0" smtClean="0"/>
+              <a:rPr lang="en-US" sz="2600" dirty="0" smtClean="0"/>
               <a:t>Measurement</a:t>
             </a:r>
             <a:r>
-              <a:rPr lang="en-US" dirty="0"/>
+              <a:rPr lang="en-US" sz="2600" dirty="0"/>
               <a:t>, and</a:t>
             </a:r>
           </a:p>
           <a:p>
             <a:pPr lvl="1"/>
             <a:r>
-              <a:rPr lang="en-US" dirty="0" smtClean="0"/>
+              <a:rPr lang="en-US" sz="2600" dirty="0" smtClean="0"/>
               <a:t>Uncertainty</a:t>
             </a:r>
             <a:r>
-              <a:rPr lang="en-US" dirty="0"/>
+              <a:rPr lang="en-US" sz="2600" dirty="0"/>
               <a:t>.</a:t>
             </a:r>
           </a:p>
